--- a/119-SQL Assessment/Test Run.pptx
+++ b/119-SQL Assessment/Test Run.pptx
@@ -107,6 +107,11 @@
       </a:defRPr>
     </a:lvl9pPr>
   </p:defaultTextStyle>
+  <p:extLst>
+    <p:ext uri="{EFAFB233-063F-42B5-8137-9DF3F51BA10A}">
+      <p15:sldGuideLst xmlns:p15="http://schemas.microsoft.com/office/powerpoint/2012/main"/>
+    </p:ext>
+  </p:extLst>
 </p:presentation>
 </file>
 
@@ -259,7 +264,7 @@
           <a:p>
             <a:fld id="{AF5B4BDE-1AD5-41B7-9759-1A1901B62173}" type="datetimeFigureOut">
               <a:rPr lang="en-IE" smtClean="0"/>
-              <a:t>10/03/2022</a:t>
+              <a:t>22/03/2022</a:t>
             </a:fld>
             <a:endParaRPr lang="en-IE"/>
           </a:p>
@@ -459,7 +464,7 @@
           <a:p>
             <a:fld id="{AF5B4BDE-1AD5-41B7-9759-1A1901B62173}" type="datetimeFigureOut">
               <a:rPr lang="en-IE" smtClean="0"/>
-              <a:t>10/03/2022</a:t>
+              <a:t>22/03/2022</a:t>
             </a:fld>
             <a:endParaRPr lang="en-IE"/>
           </a:p>
@@ -669,7 +674,7 @@
           <a:p>
             <a:fld id="{AF5B4BDE-1AD5-41B7-9759-1A1901B62173}" type="datetimeFigureOut">
               <a:rPr lang="en-IE" smtClean="0"/>
-              <a:t>10/03/2022</a:t>
+              <a:t>22/03/2022</a:t>
             </a:fld>
             <a:endParaRPr lang="en-IE"/>
           </a:p>
@@ -869,7 +874,7 @@
           <a:p>
             <a:fld id="{AF5B4BDE-1AD5-41B7-9759-1A1901B62173}" type="datetimeFigureOut">
               <a:rPr lang="en-IE" smtClean="0"/>
-              <a:t>10/03/2022</a:t>
+              <a:t>22/03/2022</a:t>
             </a:fld>
             <a:endParaRPr lang="en-IE"/>
           </a:p>
@@ -1145,7 +1150,7 @@
           <a:p>
             <a:fld id="{AF5B4BDE-1AD5-41B7-9759-1A1901B62173}" type="datetimeFigureOut">
               <a:rPr lang="en-IE" smtClean="0"/>
-              <a:t>10/03/2022</a:t>
+              <a:t>22/03/2022</a:t>
             </a:fld>
             <a:endParaRPr lang="en-IE"/>
           </a:p>
@@ -1413,7 +1418,7 @@
           <a:p>
             <a:fld id="{AF5B4BDE-1AD5-41B7-9759-1A1901B62173}" type="datetimeFigureOut">
               <a:rPr lang="en-IE" smtClean="0"/>
-              <a:t>10/03/2022</a:t>
+              <a:t>22/03/2022</a:t>
             </a:fld>
             <a:endParaRPr lang="en-IE"/>
           </a:p>
@@ -1828,7 +1833,7 @@
           <a:p>
             <a:fld id="{AF5B4BDE-1AD5-41B7-9759-1A1901B62173}" type="datetimeFigureOut">
               <a:rPr lang="en-IE" smtClean="0"/>
-              <a:t>10/03/2022</a:t>
+              <a:t>22/03/2022</a:t>
             </a:fld>
             <a:endParaRPr lang="en-IE"/>
           </a:p>
@@ -1970,7 +1975,7 @@
           <a:p>
             <a:fld id="{AF5B4BDE-1AD5-41B7-9759-1A1901B62173}" type="datetimeFigureOut">
               <a:rPr lang="en-IE" smtClean="0"/>
-              <a:t>10/03/2022</a:t>
+              <a:t>22/03/2022</a:t>
             </a:fld>
             <a:endParaRPr lang="en-IE"/>
           </a:p>
@@ -2083,7 +2088,7 @@
           <a:p>
             <a:fld id="{AF5B4BDE-1AD5-41B7-9759-1A1901B62173}" type="datetimeFigureOut">
               <a:rPr lang="en-IE" smtClean="0"/>
-              <a:t>10/03/2022</a:t>
+              <a:t>22/03/2022</a:t>
             </a:fld>
             <a:endParaRPr lang="en-IE"/>
           </a:p>
@@ -2396,7 +2401,7 @@
           <a:p>
             <a:fld id="{AF5B4BDE-1AD5-41B7-9759-1A1901B62173}" type="datetimeFigureOut">
               <a:rPr lang="en-IE" smtClean="0"/>
-              <a:t>10/03/2022</a:t>
+              <a:t>22/03/2022</a:t>
             </a:fld>
             <a:endParaRPr lang="en-IE"/>
           </a:p>
@@ -2685,7 +2690,7 @@
           <a:p>
             <a:fld id="{AF5B4BDE-1AD5-41B7-9759-1A1901B62173}" type="datetimeFigureOut">
               <a:rPr lang="en-IE" smtClean="0"/>
-              <a:t>10/03/2022</a:t>
+              <a:t>22/03/2022</a:t>
             </a:fld>
             <a:endParaRPr lang="en-IE"/>
           </a:p>
@@ -2928,7 +2933,7 @@
           <a:p>
             <a:fld id="{AF5B4BDE-1AD5-41B7-9759-1A1901B62173}" type="datetimeFigureOut">
               <a:rPr lang="en-IE" smtClean="0"/>
-              <a:t>10/03/2022</a:t>
+              <a:t>22/03/2022</a:t>
             </a:fld>
             <a:endParaRPr lang="en-IE"/>
           </a:p>
@@ -3641,10 +3646,15 @@
         </p:nvSpPr>
         <p:spPr/>
         <p:txBody>
-          <a:bodyPr/>
-          <a:lstStyle/>
-          <a:p>
-            <a:endParaRPr lang="en-IE"/>
+          <a:bodyPr>
+            <a:normAutofit/>
+          </a:bodyPr>
+          <a:lstStyle/>
+          <a:p>
+            <a:r>
+              <a:rPr lang="en-IE" dirty="0"/>
+              <a:t>Get Recommendations</a:t>
+            </a:r>
           </a:p>
         </p:txBody>
       </p:sp>
@@ -3669,7 +3679,50 @@
           <a:bodyPr/>
           <a:lstStyle/>
           <a:p>
-            <a:endParaRPr lang="en-IE"/>
+            <a:r>
+              <a:rPr lang="en-IE" dirty="0"/>
+              <a:t>.\SqlAssessment.exe </a:t>
+            </a:r>
+            <a:r>
+              <a:rPr lang="en-IE" dirty="0" err="1"/>
+              <a:t>GetSkuRecommendation</a:t>
+            </a:r>
+            <a:r>
+              <a:rPr lang="en-IE" dirty="0"/>
+              <a:t> --</a:t>
+            </a:r>
+            <a:r>
+              <a:rPr lang="en-IE" dirty="0" err="1"/>
+              <a:t>outputFolder</a:t>
+            </a:r>
+            <a:r>
+              <a:rPr lang="en-IE" dirty="0"/>
+              <a:t> C:\01 --</a:t>
+            </a:r>
+            <a:r>
+              <a:rPr lang="en-IE" dirty="0" err="1"/>
+              <a:t>targetPlatform</a:t>
+            </a:r>
+            <a:r>
+              <a:rPr lang="en-IE" dirty="0"/>
+              <a:t> </a:t>
+            </a:r>
+            <a:r>
+              <a:rPr lang="en-IE" dirty="0" err="1"/>
+              <a:t>AzureSqlManagedInstance</a:t>
+            </a:r>
+            <a:r>
+              <a:rPr lang="en-IE" dirty="0"/>
+              <a:t> --</a:t>
+            </a:r>
+            <a:r>
+              <a:rPr lang="en-IE" dirty="0" err="1"/>
+              <a:t>elasticStrategy</a:t>
+            </a:r>
+            <a:r>
+              <a:rPr lang="en-IE"/>
+              <a:t> true</a:t>
+            </a:r>
           </a:p>
         </p:txBody>
       </p:sp>

--- a/119-SQL Assessment/Test Run.pptx
+++ b/119-SQL Assessment/Test Run.pptx
@@ -264,7 +264,7 @@
           <a:p>
             <a:fld id="{AF5B4BDE-1AD5-41B7-9759-1A1901B62173}" type="datetimeFigureOut">
               <a:rPr lang="en-IE" smtClean="0"/>
-              <a:t>22/03/2022</a:t>
+              <a:t>30/09/2022</a:t>
             </a:fld>
             <a:endParaRPr lang="en-IE"/>
           </a:p>
@@ -464,7 +464,7 @@
           <a:p>
             <a:fld id="{AF5B4BDE-1AD5-41B7-9759-1A1901B62173}" type="datetimeFigureOut">
               <a:rPr lang="en-IE" smtClean="0"/>
-              <a:t>22/03/2022</a:t>
+              <a:t>30/09/2022</a:t>
             </a:fld>
             <a:endParaRPr lang="en-IE"/>
           </a:p>
@@ -674,7 +674,7 @@
           <a:p>
             <a:fld id="{AF5B4BDE-1AD5-41B7-9759-1A1901B62173}" type="datetimeFigureOut">
               <a:rPr lang="en-IE" smtClean="0"/>
-              <a:t>22/03/2022</a:t>
+              <a:t>30/09/2022</a:t>
             </a:fld>
             <a:endParaRPr lang="en-IE"/>
           </a:p>
@@ -874,7 +874,7 @@
           <a:p>
             <a:fld id="{AF5B4BDE-1AD5-41B7-9759-1A1901B62173}" type="datetimeFigureOut">
               <a:rPr lang="en-IE" smtClean="0"/>
-              <a:t>22/03/2022</a:t>
+              <a:t>30/09/2022</a:t>
             </a:fld>
             <a:endParaRPr lang="en-IE"/>
           </a:p>
@@ -1150,7 +1150,7 @@
           <a:p>
             <a:fld id="{AF5B4BDE-1AD5-41B7-9759-1A1901B62173}" type="datetimeFigureOut">
               <a:rPr lang="en-IE" smtClean="0"/>
-              <a:t>22/03/2022</a:t>
+              <a:t>30/09/2022</a:t>
             </a:fld>
             <a:endParaRPr lang="en-IE"/>
           </a:p>
@@ -1418,7 +1418,7 @@
           <a:p>
             <a:fld id="{AF5B4BDE-1AD5-41B7-9759-1A1901B62173}" type="datetimeFigureOut">
               <a:rPr lang="en-IE" smtClean="0"/>
-              <a:t>22/03/2022</a:t>
+              <a:t>30/09/2022</a:t>
             </a:fld>
             <a:endParaRPr lang="en-IE"/>
           </a:p>
@@ -1833,7 +1833,7 @@
           <a:p>
             <a:fld id="{AF5B4BDE-1AD5-41B7-9759-1A1901B62173}" type="datetimeFigureOut">
               <a:rPr lang="en-IE" smtClean="0"/>
-              <a:t>22/03/2022</a:t>
+              <a:t>30/09/2022</a:t>
             </a:fld>
             <a:endParaRPr lang="en-IE"/>
           </a:p>
@@ -1975,7 +1975,7 @@
           <a:p>
             <a:fld id="{AF5B4BDE-1AD5-41B7-9759-1A1901B62173}" type="datetimeFigureOut">
               <a:rPr lang="en-IE" smtClean="0"/>
-              <a:t>22/03/2022</a:t>
+              <a:t>30/09/2022</a:t>
             </a:fld>
             <a:endParaRPr lang="en-IE"/>
           </a:p>
@@ -2088,7 +2088,7 @@
           <a:p>
             <a:fld id="{AF5B4BDE-1AD5-41B7-9759-1A1901B62173}" type="datetimeFigureOut">
               <a:rPr lang="en-IE" smtClean="0"/>
-              <a:t>22/03/2022</a:t>
+              <a:t>30/09/2022</a:t>
             </a:fld>
             <a:endParaRPr lang="en-IE"/>
           </a:p>
@@ -2401,7 +2401,7 @@
           <a:p>
             <a:fld id="{AF5B4BDE-1AD5-41B7-9759-1A1901B62173}" type="datetimeFigureOut">
               <a:rPr lang="en-IE" smtClean="0"/>
-              <a:t>22/03/2022</a:t>
+              <a:t>30/09/2022</a:t>
             </a:fld>
             <a:endParaRPr lang="en-IE"/>
           </a:p>
@@ -2690,7 +2690,7 @@
           <a:p>
             <a:fld id="{AF5B4BDE-1AD5-41B7-9759-1A1901B62173}" type="datetimeFigureOut">
               <a:rPr lang="en-IE" smtClean="0"/>
-              <a:t>22/03/2022</a:t>
+              <a:t>30/09/2022</a:t>
             </a:fld>
             <a:endParaRPr lang="en-IE"/>
           </a:p>
@@ -2933,7 +2933,7 @@
           <a:p>
             <a:fld id="{AF5B4BDE-1AD5-41B7-9759-1A1901B62173}" type="datetimeFigureOut">
               <a:rPr lang="en-IE" smtClean="0"/>
-              <a:t>22/03/2022</a:t>
+              <a:t>30/09/2022</a:t>
             </a:fld>
             <a:endParaRPr lang="en-IE"/>
           </a:p>
@@ -3557,9 +3557,16 @@
             <p:ph type="title"/>
           </p:nvPr>
         </p:nvSpPr>
-        <p:spPr/>
-        <p:txBody>
-          <a:bodyPr/>
+        <p:spPr>
+          <a:xfrm>
+            <a:off x="838200" y="365126"/>
+            <a:ext cx="10515600" cy="502210"/>
+          </a:xfrm>
+        </p:spPr>
+        <p:txBody>
+          <a:bodyPr>
+            <a:normAutofit fontScale="90000"/>
+          </a:bodyPr>
           <a:lstStyle/>
           <a:p>
             <a:r>
@@ -3593,11 +3600,94 @@
         </p:blipFill>
         <p:spPr>
           <a:xfrm>
-            <a:off x="2623015" y="1825625"/>
+            <a:off x="2562503" y="2249207"/>
             <a:ext cx="6945970" cy="4351338"/>
           </a:xfrm>
         </p:spPr>
       </p:pic>
+      <p:sp>
+        <p:nvSpPr>
+          <p:cNvPr id="4" name="TextBox 3">
+            <a:extLst>
+              <a:ext uri="{FF2B5EF4-FFF2-40B4-BE49-F238E27FC236}">
+                <a16:creationId xmlns:a16="http://schemas.microsoft.com/office/drawing/2014/main" id="{EA3644EC-0189-BE11-FC4B-4D630B3EC155}"/>
+              </a:ext>
+            </a:extLst>
+          </p:cNvPr>
+          <p:cNvSpPr txBox="1"/>
+          <p:nvPr/>
+        </p:nvSpPr>
+        <p:spPr>
+          <a:xfrm>
+            <a:off x="754716" y="1096606"/>
+            <a:ext cx="10599083" cy="646331"/>
+          </a:xfrm>
+          <a:prstGeom prst="rect">
+            <a:avLst/>
+          </a:prstGeom>
+          <a:noFill/>
+        </p:spPr>
+        <p:txBody>
+          <a:bodyPr wrap="square">
+            <a:spAutoFit/>
+          </a:bodyPr>
+          <a:lstStyle/>
+          <a:p>
+            <a:r>
+              <a:rPr lang="en-IE" dirty="0"/>
+              <a:t>.\SqlAssessment.exe </a:t>
+            </a:r>
+            <a:r>
+              <a:rPr lang="en-IE" dirty="0" err="1"/>
+              <a:t>PerfDataCollection</a:t>
+            </a:r>
+            <a:r>
+              <a:rPr lang="en-IE" dirty="0"/>
+              <a:t> --</a:t>
+            </a:r>
+            <a:r>
+              <a:rPr lang="en-IE" dirty="0" err="1"/>
+              <a:t>sqlConnectionStrings</a:t>
+            </a:r>
+            <a:r>
+              <a:rPr lang="en-IE" dirty="0"/>
+              <a:t> "Data Source=DEFIANT\SQL2019;Initial </a:t>
+            </a:r>
+            <a:r>
+              <a:rPr lang="en-IE" dirty="0" err="1"/>
+              <a:t>Catalog</a:t>
+            </a:r>
+            <a:r>
+              <a:rPr lang="en-IE" dirty="0"/>
+              <a:t>=</a:t>
+            </a:r>
+            <a:r>
+              <a:rPr lang="en-IE" dirty="0" err="1"/>
+              <a:t>master;User</a:t>
+            </a:r>
+            <a:r>
+              <a:rPr lang="en-IE" dirty="0"/>
+              <a:t> ID=</a:t>
+            </a:r>
+            <a:r>
+              <a:rPr lang="en-IE" dirty="0" err="1"/>
+              <a:t>sa;Password</a:t>
+            </a:r>
+            <a:r>
+              <a:rPr lang="en-IE" dirty="0"/>
+              <a:t>=****" --</a:t>
+            </a:r>
+            <a:r>
+              <a:rPr lang="en-IE" dirty="0" err="1"/>
+              <a:t>outputFolder</a:t>
+            </a:r>
+            <a:r>
+              <a:rPr lang="en-IE" dirty="0"/>
+              <a:t> C:\Output</a:t>
+            </a:r>
+          </a:p>
+        </p:txBody>
+      </p:sp>
     </p:spTree>
     <p:extLst>
       <p:ext uri="{BB962C8B-B14F-4D97-AF65-F5344CB8AC3E}">
